--- a/NFT Guru.pptx
+++ b/NFT Guru.pptx
@@ -107,6 +107,11 @@
       </a:defRPr>
     </a:lvl9pPr>
   </p:defaultTextStyle>
+  <p:extLst>
+    <p:ext uri="{EFAFB233-063F-42B5-8137-9DF3F51BA10A}">
+      <p15:sldGuideLst xmlns:p15="http://schemas.microsoft.com/office/powerpoint/2012/main"/>
+    </p:ext>
+  </p:extLst>
 </p:presentation>
 </file>
 
@@ -463,7 +468,7 @@
           <a:p>
             <a:fld id="{2A94E55A-8BBD-4E35-A6D4-875C81842988}" type="datetimeFigureOut">
               <a:rPr lang="en-US" smtClean="0"/>
-              <a:t>4/23/2022</a:t>
+              <a:t>4/23/22</a:t>
             </a:fld>
             <a:endParaRPr lang="en-US"/>
           </a:p>
@@ -801,7 +806,7 @@
           <a:p>
             <a:fld id="{2A94E55A-8BBD-4E35-A6D4-875C81842988}" type="datetimeFigureOut">
               <a:rPr lang="en-US" smtClean="0"/>
-              <a:t>4/23/2022</a:t>
+              <a:t>4/23/22</a:t>
             </a:fld>
             <a:endParaRPr lang="en-US"/>
           </a:p>
@@ -1202,7 +1207,7 @@
           <a:p>
             <a:fld id="{2A94E55A-8BBD-4E35-A6D4-875C81842988}" type="datetimeFigureOut">
               <a:rPr lang="en-US" smtClean="0"/>
-              <a:t>4/23/2022</a:t>
+              <a:t>4/23/22</a:t>
             </a:fld>
             <a:endParaRPr lang="en-US"/>
           </a:p>
@@ -1538,7 +1543,7 @@
           <a:p>
             <a:fld id="{2A94E55A-8BBD-4E35-A6D4-875C81842988}" type="datetimeFigureOut">
               <a:rPr lang="en-US" smtClean="0"/>
-              <a:t>4/23/2022</a:t>
+              <a:t>4/23/22</a:t>
             </a:fld>
             <a:endParaRPr lang="en-US"/>
           </a:p>
@@ -1858,7 +1863,7 @@
           <a:p>
             <a:fld id="{2A94E55A-8BBD-4E35-A6D4-875C81842988}" type="datetimeFigureOut">
               <a:rPr lang="en-US" smtClean="0"/>
-              <a:t>4/23/2022</a:t>
+              <a:t>4/23/22</a:t>
             </a:fld>
             <a:endParaRPr lang="en-US"/>
           </a:p>
@@ -2254,7 +2259,7 @@
           <a:p>
             <a:fld id="{2A94E55A-8BBD-4E35-A6D4-875C81842988}" type="datetimeFigureOut">
               <a:rPr lang="en-US" smtClean="0"/>
-              <a:t>4/23/2022</a:t>
+              <a:t>4/23/22</a:t>
             </a:fld>
             <a:endParaRPr lang="en-US"/>
           </a:p>
@@ -2511,7 +2516,7 @@
           <a:p>
             <a:fld id="{2A94E55A-8BBD-4E35-A6D4-875C81842988}" type="datetimeFigureOut">
               <a:rPr lang="en-US" smtClean="0"/>
-              <a:t>4/23/2022</a:t>
+              <a:t>4/23/22</a:t>
             </a:fld>
             <a:endParaRPr lang="en-US"/>
           </a:p>
@@ -2773,7 +2778,7 @@
           <a:p>
             <a:fld id="{2A94E55A-8BBD-4E35-A6D4-875C81842988}" type="datetimeFigureOut">
               <a:rPr lang="en-US" smtClean="0"/>
-              <a:t>4/23/2022</a:t>
+              <a:t>4/23/22</a:t>
             </a:fld>
             <a:endParaRPr lang="en-US"/>
           </a:p>
@@ -3035,7 +3040,7 @@
           <a:p>
             <a:fld id="{2A94E55A-8BBD-4E35-A6D4-875C81842988}" type="datetimeFigureOut">
               <a:rPr lang="en-US" smtClean="0"/>
-              <a:t>4/23/2022</a:t>
+              <a:t>4/23/22</a:t>
             </a:fld>
             <a:endParaRPr lang="en-US"/>
           </a:p>
@@ -3364,7 +3369,7 @@
           <a:p>
             <a:fld id="{2A94E55A-8BBD-4E35-A6D4-875C81842988}" type="datetimeFigureOut">
               <a:rPr lang="en-US" smtClean="0"/>
-              <a:t>4/23/2022</a:t>
+              <a:t>4/23/22</a:t>
             </a:fld>
             <a:endParaRPr lang="en-US"/>
           </a:p>
@@ -3687,7 +3692,7 @@
           <a:p>
             <a:fld id="{2A94E55A-8BBD-4E35-A6D4-875C81842988}" type="datetimeFigureOut">
               <a:rPr lang="en-US" smtClean="0"/>
-              <a:t>4/23/2022</a:t>
+              <a:t>4/23/22</a:t>
             </a:fld>
             <a:endParaRPr lang="en-US"/>
           </a:p>
@@ -4144,7 +4149,7 @@
           <a:p>
             <a:fld id="{2A94E55A-8BBD-4E35-A6D4-875C81842988}" type="datetimeFigureOut">
               <a:rPr lang="en-US" smtClean="0"/>
-              <a:t>4/23/2022</a:t>
+              <a:t>4/23/22</a:t>
             </a:fld>
             <a:endParaRPr lang="en-US"/>
           </a:p>
@@ -4349,7 +4354,7 @@
           <a:p>
             <a:fld id="{2A94E55A-8BBD-4E35-A6D4-875C81842988}" type="datetimeFigureOut">
               <a:rPr lang="en-US" smtClean="0"/>
-              <a:t>4/23/2022</a:t>
+              <a:t>4/23/22</a:t>
             </a:fld>
             <a:endParaRPr lang="en-US"/>
           </a:p>
@@ -4526,7 +4531,7 @@
           <a:p>
             <a:fld id="{2A94E55A-8BBD-4E35-A6D4-875C81842988}" type="datetimeFigureOut">
               <a:rPr lang="en-US" smtClean="0"/>
-              <a:t>4/23/2022</a:t>
+              <a:t>4/23/22</a:t>
             </a:fld>
             <a:endParaRPr lang="en-US"/>
           </a:p>
@@ -4859,7 +4864,7 @@
           <a:p>
             <a:fld id="{2A94E55A-8BBD-4E35-A6D4-875C81842988}" type="datetimeFigureOut">
               <a:rPr lang="en-US" smtClean="0"/>
-              <a:t>4/23/2022</a:t>
+              <a:t>4/23/22</a:t>
             </a:fld>
             <a:endParaRPr lang="en-US"/>
           </a:p>
@@ -5204,7 +5209,7 @@
           <a:p>
             <a:fld id="{2A94E55A-8BBD-4E35-A6D4-875C81842988}" type="datetimeFigureOut">
               <a:rPr lang="en-US" smtClean="0"/>
-              <a:t>4/23/2022</a:t>
+              <a:t>4/23/22</a:t>
             </a:fld>
             <a:endParaRPr lang="en-US"/>
           </a:p>
@@ -7321,7 +7326,7 @@
           <a:p>
             <a:fld id="{2A94E55A-8BBD-4E35-A6D4-875C81842988}" type="datetimeFigureOut">
               <a:rPr lang="en-US" smtClean="0"/>
-              <a:t>4/23/2022</a:t>
+              <a:t>4/23/22</a:t>
             </a:fld>
             <a:endParaRPr lang="en-US"/>
           </a:p>
@@ -7974,14 +7979,16 @@
           </a:xfrm>
         </p:spPr>
         <p:txBody>
-          <a:bodyPr/>
+          <a:bodyPr>
+            <a:normAutofit/>
+          </a:bodyPr>
           <a:lstStyle/>
           <a:p>
             <a:pPr marL="0" indent="0">
               <a:buNone/>
             </a:pPr>
             <a:r>
-              <a:rPr lang="en-US" dirty="0"/>
+              <a:rPr lang="en-US" sz="2400" dirty="0"/>
               <a:t>NFT market capitalization</a:t>
             </a:r>
           </a:p>
@@ -7989,7 +7996,7 @@
             <a:pPr marL="0" indent="0">
               <a:buNone/>
             </a:pPr>
-            <a:endParaRPr lang="en-US" dirty="0"/>
+            <a:endParaRPr lang="en-US" sz="2400" dirty="0"/>
           </a:p>
         </p:txBody>
       </p:sp>
@@ -8132,14 +8139,16 @@
           </a:xfrm>
         </p:spPr>
         <p:txBody>
-          <a:bodyPr/>
+          <a:bodyPr>
+            <a:normAutofit/>
+          </a:bodyPr>
           <a:lstStyle/>
           <a:p>
             <a:pPr marL="0" indent="0">
               <a:buNone/>
             </a:pPr>
             <a:r>
-              <a:rPr lang="en-US" dirty="0">
+              <a:rPr lang="en-US" sz="2000" dirty="0">
                 <a:solidFill>
                   <a:schemeClr val="tx1"/>
                 </a:solidFill>
@@ -8148,14 +8157,14 @@
             </a:r>
           </a:p>
           <a:p>
-            <a:endParaRPr lang="en-US" dirty="0"/>
+            <a:endParaRPr lang="en-US" sz="2000" dirty="0"/>
           </a:p>
           <a:p>
             <a:pPr marL="0" indent="0">
               <a:buNone/>
             </a:pPr>
             <a:r>
-              <a:rPr lang="en-US" dirty="0">
+              <a:rPr lang="en-US" sz="2000" dirty="0">
                 <a:solidFill>
                   <a:schemeClr val="tx1"/>
                 </a:solidFill>
@@ -8167,7 +8176,7 @@
             <a:pPr marL="0" indent="0" algn="l">
               <a:buNone/>
             </a:pPr>
-            <a:endParaRPr lang="en-US" dirty="0">
+            <a:endParaRPr lang="en-US" sz="2000" dirty="0">
               <a:solidFill>
                 <a:schemeClr val="tx1"/>
               </a:solidFill>
@@ -8178,7 +8187,7 @@
               <a:buNone/>
             </a:pPr>
             <a:r>
-              <a:rPr lang="en-US" dirty="0">
+              <a:rPr lang="en-US" sz="2000" dirty="0">
                 <a:solidFill>
                   <a:schemeClr val="tx1"/>
                 </a:solidFill>
@@ -8190,7 +8199,7 @@
             <a:pPr marL="0" indent="0">
               <a:buNone/>
             </a:pPr>
-            <a:endParaRPr lang="en-US" dirty="0"/>
+            <a:endParaRPr lang="en-US" sz="2000" dirty="0"/>
           </a:p>
         </p:txBody>
       </p:sp>
@@ -8333,7 +8342,9 @@
           </a:xfrm>
         </p:spPr>
         <p:txBody>
-          <a:bodyPr/>
+          <a:bodyPr>
+            <a:normAutofit/>
+          </a:bodyPr>
           <a:lstStyle/>
           <a:p>
             <a:pPr marL="342900" indent="-342900" algn="l">
@@ -8341,7 +8352,7 @@
               <a:buChar char="•"/>
             </a:pPr>
             <a:r>
-              <a:rPr lang="en-US" dirty="0">
+              <a:rPr lang="en-US" sz="2000" dirty="0">
                 <a:solidFill>
                   <a:schemeClr val="tx1"/>
                 </a:solidFill>
@@ -8354,12 +8365,12 @@
               <a:buNone/>
             </a:pPr>
             <a:r>
-              <a:rPr lang="en-US" dirty="0">
+              <a:rPr lang="en-US" sz="2000" dirty="0">
                 <a:solidFill>
                   <a:schemeClr val="tx1"/>
                 </a:solidFill>
               </a:rPr>
-              <a:t>Deployment of smart contracts - valuation oracle Cross chain interoperability</a:t>
+              <a:t>Deployment of smart contracts - valuation oracle - Cross-Chain interoperability</a:t>
             </a:r>
           </a:p>
           <a:p>
@@ -8368,7 +8379,7 @@
               <a:buChar char="•"/>
             </a:pPr>
             <a:r>
-              <a:rPr lang="en-US" dirty="0">
+              <a:rPr lang="en-US" sz="2000" dirty="0">
                 <a:solidFill>
                   <a:schemeClr val="tx1"/>
                 </a:solidFill>
@@ -8381,7 +8392,7 @@
               <a:buNone/>
             </a:pPr>
             <a:r>
-              <a:rPr lang="en-US" dirty="0">
+              <a:rPr lang="en-US" sz="2000" dirty="0">
                 <a:solidFill>
                   <a:schemeClr val="tx1"/>
                 </a:solidFill>
@@ -8395,7 +8406,7 @@
               <a:buChar char="•"/>
             </a:pPr>
             <a:r>
-              <a:rPr lang="en-US" dirty="0">
+              <a:rPr lang="en-US" sz="2000" dirty="0">
                 <a:solidFill>
                   <a:schemeClr val="tx1"/>
                 </a:solidFill>
@@ -8408,7 +8419,7 @@
               <a:buNone/>
             </a:pPr>
             <a:r>
-              <a:rPr lang="en-US" dirty="0">
+              <a:rPr lang="en-US" sz="2000" dirty="0">
                 <a:solidFill>
                   <a:schemeClr val="tx1"/>
                 </a:solidFill>
@@ -8422,7 +8433,7 @@
               <a:buChar char="•"/>
             </a:pPr>
             <a:r>
-              <a:rPr lang="en-US" dirty="0">
+              <a:rPr lang="en-US" sz="2000" dirty="0">
                 <a:solidFill>
                   <a:schemeClr val="tx1"/>
                 </a:solidFill>
@@ -8435,7 +8446,7 @@
               <a:buNone/>
             </a:pPr>
             <a:r>
-              <a:rPr lang="en-US" dirty="0">
+              <a:rPr lang="en-US" sz="2000" dirty="0">
                 <a:solidFill>
                   <a:schemeClr val="tx1"/>
                 </a:solidFill>
@@ -8447,7 +8458,7 @@
             <a:pPr marL="0" indent="0">
               <a:buNone/>
             </a:pPr>
-            <a:endParaRPr lang="en-US" dirty="0"/>
+            <a:endParaRPr lang="en-US" sz="2000" dirty="0"/>
           </a:p>
         </p:txBody>
       </p:sp>
@@ -8590,81 +8601,75 @@
           </a:xfrm>
         </p:spPr>
         <p:txBody>
-          <a:bodyPr/>
+          <a:bodyPr>
+            <a:normAutofit/>
+          </a:bodyPr>
           <a:lstStyle/>
           <a:p>
             <a:pPr marL="0" indent="0">
               <a:buNone/>
             </a:pPr>
-            <a:endParaRPr lang="en-US" dirty="0"/>
+            <a:endParaRPr lang="en-US" sz="2000" dirty="0"/>
           </a:p>
           <a:p>
             <a:pPr marL="0" indent="0">
               <a:buNone/>
             </a:pPr>
             <a:r>
-              <a:rPr lang="en-US" dirty="0"/>
-              <a:t>Pedro Beirao – </a:t>
-            </a:r>
-            <a:r>
-              <a:rPr lang="en-US" dirty="0" err="1"/>
-              <a:t>phd</a:t>
-            </a:r>
-            <a:r>
-              <a:rPr lang="en-US" dirty="0"/>
-              <a:t> in astronomy, Researcher in Caltech &amp; Paris observatory, data scientist in Web 2</a:t>
+              <a:rPr lang="en-US" sz="2000" dirty="0"/>
+              <a:t>Pedro – PhD in astronomy, Researcher in Caltech &amp; Paris Observatory, data scientist in Web 2</a:t>
             </a:r>
           </a:p>
           <a:p>
             <a:pPr marL="0" indent="0">
               <a:buNone/>
             </a:pPr>
-            <a:endParaRPr lang="en-US" dirty="0"/>
+            <a:endParaRPr lang="en-US" sz="2000" dirty="0"/>
           </a:p>
           <a:p>
             <a:pPr marL="0" indent="0">
               <a:buNone/>
             </a:pPr>
             <a:r>
-              <a:rPr lang="en-US" dirty="0"/>
-              <a:t>Vivi – PHD in Yale University, intern in Boston consulting group, Analyst in A&amp;T venture</a:t>
+              <a:rPr lang="en-US" sz="2000" dirty="0"/>
+              <a:t>Vivi – PhD in Yale University, intern in Boston Consulting Group, analyst in A&amp;T Venture</a:t>
             </a:r>
           </a:p>
           <a:p>
             <a:pPr marL="0" indent="0">
               <a:buNone/>
             </a:pPr>
-            <a:endParaRPr lang="en-US" dirty="0"/>
+            <a:endParaRPr lang="en-US" sz="2000" dirty="0"/>
           </a:p>
           <a:p>
             <a:pPr marL="0" indent="0">
               <a:buNone/>
             </a:pPr>
             <a:r>
-              <a:rPr lang="en-US" dirty="0"/>
-              <a:t>Pineapple – PHD candidate in University of Luxemburg</a:t>
+              <a:rPr lang="en-US" sz="2000" dirty="0"/>
+              <a:t>Pineapple – PhD candidate in University of Luxemburg</a:t>
             </a:r>
           </a:p>
           <a:p>
             <a:pPr marL="0" indent="0">
               <a:buNone/>
             </a:pPr>
-            <a:endParaRPr lang="en-US" dirty="0"/>
+            <a:endParaRPr lang="en-US" sz="2000" dirty="0"/>
           </a:p>
           <a:p>
             <a:pPr marL="0" indent="0">
               <a:buNone/>
             </a:pPr>
             <a:r>
-              <a:rPr lang="en-US" dirty="0"/>
+              <a:rPr lang="en-US" sz="2000" dirty="0"/>
               <a:t>YM – Co-founder of </a:t>
             </a:r>
             <a:r>
-              <a:rPr lang="en-US" dirty="0" err="1"/>
+              <a:rPr lang="en-US" sz="2000" dirty="0" err="1"/>
               <a:t>Kaysin</a:t>
             </a:r>
             <a:r>
-              <a:rPr lang="en-US" dirty="0"/>
+              <a:rPr lang="en-US" sz="2000" dirty="0"/>
               <a:t> gallery &amp; Glow DAO</a:t>
             </a:r>
           </a:p>
@@ -8672,7 +8677,7 @@
             <a:pPr marL="0" indent="0">
               <a:buNone/>
             </a:pPr>
-            <a:endParaRPr lang="en-US" dirty="0"/>
+            <a:endParaRPr lang="en-US" sz="2000" dirty="0"/>
           </a:p>
         </p:txBody>
       </p:sp>
